--- a/Calculadora de notas Ip Chile.pptx
+++ b/Calculadora de notas Ip Chile.pptx
@@ -110,6 +110,11 @@
       </a:defRPr>
     </a:lvl9pPr>
   </p:defaultTextStyle>
+  <p:extLst>
+    <p:ext uri="{EFAFB233-063F-42B5-8137-9DF3F51BA10A}">
+      <p15:sldGuideLst xmlns:p15="http://schemas.microsoft.com/office/powerpoint/2012/main"/>
+    </p:ext>
+  </p:extLst>
 </p:presentation>
 </file>
 
@@ -195,7 +200,7 @@
           <a:p>
             <a:fld id="{19FD1AEB-20C9-4FFE-AB1E-270B558A0F88}" type="datetimeFigureOut">
               <a:rPr lang="es-CL" smtClean="0"/>
-              <a:t>15-04-2019</a:t>
+              <a:t>17-04-2019</a:t>
             </a:fld>
             <a:endParaRPr lang="es-CL"/>
           </a:p>
@@ -733,7 +738,7 @@
           <a:p>
             <a:fld id="{4AAD347D-5ACD-4C99-B74B-A9C85AD731AF}" type="datetimeFigureOut">
               <a:rPr lang="en-US" dirty="0"/>
-              <a:t>4/15/2019</a:t>
+              <a:t>4/17/2019</a:t>
             </a:fld>
             <a:endParaRPr lang="en-US" dirty="0"/>
           </a:p>
@@ -1003,7 +1008,7 @@
           <a:p>
             <a:fld id="{4509A250-FF31-4206-8172-F9D3106AACB1}" type="datetimeFigureOut">
               <a:rPr lang="en-US" dirty="0"/>
-              <a:t>4/15/2019</a:t>
+              <a:t>4/17/2019</a:t>
             </a:fld>
             <a:endParaRPr lang="en-US" dirty="0"/>
           </a:p>
@@ -1192,7 +1197,7 @@
           <a:p>
             <a:fld id="{4509A250-FF31-4206-8172-F9D3106AACB1}" type="datetimeFigureOut">
               <a:rPr lang="en-US" dirty="0"/>
-              <a:t>4/15/2019</a:t>
+              <a:t>4/17/2019</a:t>
             </a:fld>
             <a:endParaRPr lang="en-US" dirty="0"/>
           </a:p>
@@ -1460,7 +1465,7 @@
           <a:p>
             <a:fld id="{4509A250-FF31-4206-8172-F9D3106AACB1}" type="datetimeFigureOut">
               <a:rPr lang="en-US" dirty="0"/>
-              <a:t>4/15/2019</a:t>
+              <a:t>4/17/2019</a:t>
             </a:fld>
             <a:endParaRPr lang="en-US" dirty="0"/>
           </a:p>
@@ -1796,7 +1801,7 @@
           <a:p>
             <a:fld id="{4509A250-FF31-4206-8172-F9D3106AACB1}" type="datetimeFigureOut">
               <a:rPr lang="en-US" dirty="0"/>
-              <a:t>4/15/2019</a:t>
+              <a:t>4/17/2019</a:t>
             </a:fld>
             <a:endParaRPr lang="en-US" dirty="0"/>
           </a:p>
@@ -2414,7 +2419,7 @@
           <a:p>
             <a:fld id="{4509A250-FF31-4206-8172-F9D3106AACB1}" type="datetimeFigureOut">
               <a:rPr lang="en-US" dirty="0"/>
-              <a:t>4/15/2019</a:t>
+              <a:t>4/17/2019</a:t>
             </a:fld>
             <a:endParaRPr lang="en-US" dirty="0"/>
           </a:p>
@@ -3269,7 +3274,7 @@
           <a:p>
             <a:fld id="{4509A250-FF31-4206-8172-F9D3106AACB1}" type="datetimeFigureOut">
               <a:rPr lang="en-US" dirty="0"/>
-              <a:t>4/15/2019</a:t>
+              <a:t>4/17/2019</a:t>
             </a:fld>
             <a:endParaRPr lang="en-US" dirty="0"/>
           </a:p>
@@ -3434,7 +3439,7 @@
           <a:p>
             <a:fld id="{4509A250-FF31-4206-8172-F9D3106AACB1}" type="datetimeFigureOut">
               <a:rPr lang="en-US" dirty="0"/>
-              <a:t>4/15/2019</a:t>
+              <a:t>4/17/2019</a:t>
             </a:fld>
             <a:endParaRPr lang="en-US" dirty="0"/>
           </a:p>
@@ -3609,7 +3614,7 @@
           <a:p>
             <a:fld id="{4509A250-FF31-4206-8172-F9D3106AACB1}" type="datetimeFigureOut">
               <a:rPr lang="en-US" dirty="0"/>
-              <a:t>4/15/2019</a:t>
+              <a:t>4/17/2019</a:t>
             </a:fld>
             <a:endParaRPr lang="en-US" dirty="0"/>
           </a:p>
@@ -3774,7 +3779,7 @@
           <a:p>
             <a:fld id="{4509A250-FF31-4206-8172-F9D3106AACB1}" type="datetimeFigureOut">
               <a:rPr lang="en-US" dirty="0"/>
-              <a:t>4/15/2019</a:t>
+              <a:t>4/17/2019</a:t>
             </a:fld>
             <a:endParaRPr lang="en-US" dirty="0"/>
           </a:p>
@@ -4016,7 +4021,7 @@
           <a:p>
             <a:fld id="{9796027F-7875-4030-9381-8BD8C4F21935}" type="datetimeFigureOut">
               <a:rPr lang="en-US" dirty="0"/>
-              <a:t>4/15/2019</a:t>
+              <a:t>4/17/2019</a:t>
             </a:fld>
             <a:endParaRPr lang="en-US" dirty="0"/>
           </a:p>
@@ -4303,7 +4308,7 @@
           <a:p>
             <a:fld id="{9796027F-7875-4030-9381-8BD8C4F21935}" type="datetimeFigureOut">
               <a:rPr lang="en-US" dirty="0"/>
-              <a:t>4/15/2019</a:t>
+              <a:t>4/17/2019</a:t>
             </a:fld>
             <a:endParaRPr lang="en-US" dirty="0"/>
           </a:p>
@@ -4742,7 +4747,7 @@
           <a:p>
             <a:fld id="{9796027F-7875-4030-9381-8BD8C4F21935}" type="datetimeFigureOut">
               <a:rPr lang="en-US" dirty="0"/>
-              <a:t>4/15/2019</a:t>
+              <a:t>4/17/2019</a:t>
             </a:fld>
             <a:endParaRPr lang="en-US" dirty="0"/>
           </a:p>
@@ -4855,7 +4860,7 @@
           <a:p>
             <a:fld id="{4509A250-FF31-4206-8172-F9D3106AACB1}" type="datetimeFigureOut">
               <a:rPr lang="en-US" dirty="0"/>
-              <a:t>4/15/2019</a:t>
+              <a:t>4/17/2019</a:t>
             </a:fld>
             <a:endParaRPr lang="en-US" dirty="0"/>
           </a:p>
@@ -4945,7 +4950,7 @@
           <a:p>
             <a:fld id="{4509A250-FF31-4206-8172-F9D3106AACB1}" type="datetimeFigureOut">
               <a:rPr lang="en-US" dirty="0"/>
-              <a:t>4/15/2019</a:t>
+              <a:t>4/17/2019</a:t>
             </a:fld>
             <a:endParaRPr lang="en-US" dirty="0"/>
           </a:p>
@@ -5219,7 +5224,7 @@
           <a:p>
             <a:fld id="{4509A250-FF31-4206-8172-F9D3106AACB1}" type="datetimeFigureOut">
               <a:rPr lang="en-US" dirty="0"/>
-              <a:t>4/15/2019</a:t>
+              <a:t>4/17/2019</a:t>
             </a:fld>
             <a:endParaRPr lang="en-US" dirty="0"/>
           </a:p>
@@ -5489,7 +5494,7 @@
           <a:p>
             <a:fld id="{4509A250-FF31-4206-8172-F9D3106AACB1}" type="datetimeFigureOut">
               <a:rPr lang="en-US" dirty="0"/>
-              <a:t>4/15/2019</a:t>
+              <a:t>4/17/2019</a:t>
             </a:fld>
             <a:endParaRPr lang="en-US" dirty="0"/>
           </a:p>
@@ -5913,7 +5918,7 @@
           <a:p>
             <a:fld id="{4AAD347D-5ACD-4C99-B74B-A9C85AD731AF}" type="datetimeFigureOut">
               <a:rPr lang="en-US" dirty="0"/>
-              <a:t>4/15/2019</a:t>
+              <a:t>4/17/2019</a:t>
             </a:fld>
             <a:endParaRPr lang="en-US" dirty="0"/>
           </a:p>
@@ -6978,8 +6983,16 @@
               <a:t> es de 25 dólares y se cancela una </a:t>
             </a:r>
             <a:r>
-              <a:rPr lang="es-CL" smtClean="0"/>
-              <a:t>vez).</a:t>
+              <a:rPr lang="es-CL" dirty="0" smtClean="0"/>
+              <a:t>vez, </a:t>
+            </a:r>
+            <a:r>
+              <a:rPr lang="es-CL" dirty="0" err="1" smtClean="0"/>
+              <a:t>google</a:t>
+            </a:r>
+            <a:r>
+              <a:rPr lang="es-CL" dirty="0" smtClean="0"/>
+              <a:t> cobra una comisión de 30% por cada venta de una aplicación paga).</a:t>
             </a:r>
             <a:endParaRPr lang="es-CL" dirty="0" smtClean="0"/>
           </a:p>
@@ -6994,7 +7007,15 @@
             </a:r>
             <a:r>
               <a:rPr lang="es-CL" dirty="0" smtClean="0"/>
-              <a:t> store es de 99 dólares y esta se renueva de forma anual, el registro es mas lioso ya que pide mas información ).</a:t>
+              <a:t> store es de 99 dólares y esta se renueva de forma anual, el registro es mas </a:t>
+            </a:r>
+            <a:r>
+              <a:rPr lang="es-CL" dirty="0" smtClean="0"/>
+              <a:t>tedioso cuando se trata de una empresa </a:t>
+            </a:r>
+            <a:r>
+              <a:rPr lang="es-CL" dirty="0" smtClean="0"/>
+              <a:t>ya que pide mas información ).</a:t>
             </a:r>
             <a:endParaRPr lang="es-CL" dirty="0"/>
           </a:p>
